--- a/Final_Report/Figure/2/Fig9/Figure9.pptx
+++ b/Final_Report/Figure/2/Fig9/Figure9.pptx
@@ -197,7 +197,7 @@
           <a:p>
             <a:fld id="{FAB11363-597D-40D0-82C6-4854534D103F}" type="datetimeFigureOut">
               <a:rPr lang="zh-CN" altLang="en-US" smtClean="0"/>
-              <a:t>2023/6/7</a:t>
+              <a:t>2023/6/11</a:t>
             </a:fld>
             <a:endParaRPr lang="zh-CN" altLang="en-US"/>
           </a:p>
@@ -679,7 +679,7 @@
           <a:p>
             <a:fld id="{1A489FFD-D3D7-4CB0-B797-B33445A8935C}" type="datetimeFigureOut">
               <a:rPr lang="zh-CN" altLang="en-US" smtClean="0"/>
-              <a:t>2023/6/7</a:t>
+              <a:t>2023/6/11</a:t>
             </a:fld>
             <a:endParaRPr lang="zh-CN" altLang="en-US"/>
           </a:p>
@@ -849,7 +849,7 @@
           <a:p>
             <a:fld id="{1A489FFD-D3D7-4CB0-B797-B33445A8935C}" type="datetimeFigureOut">
               <a:rPr lang="zh-CN" altLang="en-US" smtClean="0"/>
-              <a:t>2023/6/7</a:t>
+              <a:t>2023/6/11</a:t>
             </a:fld>
             <a:endParaRPr lang="zh-CN" altLang="en-US"/>
           </a:p>
@@ -1029,7 +1029,7 @@
           <a:p>
             <a:fld id="{1A489FFD-D3D7-4CB0-B797-B33445A8935C}" type="datetimeFigureOut">
               <a:rPr lang="zh-CN" altLang="en-US" smtClean="0"/>
-              <a:t>2023/6/7</a:t>
+              <a:t>2023/6/11</a:t>
             </a:fld>
             <a:endParaRPr lang="zh-CN" altLang="en-US"/>
           </a:p>
@@ -1199,7 +1199,7 @@
           <a:p>
             <a:fld id="{1A489FFD-D3D7-4CB0-B797-B33445A8935C}" type="datetimeFigureOut">
               <a:rPr lang="zh-CN" altLang="en-US" smtClean="0"/>
-              <a:t>2023/6/7</a:t>
+              <a:t>2023/6/11</a:t>
             </a:fld>
             <a:endParaRPr lang="zh-CN" altLang="en-US"/>
           </a:p>
@@ -1445,7 +1445,7 @@
           <a:p>
             <a:fld id="{1A489FFD-D3D7-4CB0-B797-B33445A8935C}" type="datetimeFigureOut">
               <a:rPr lang="zh-CN" altLang="en-US" smtClean="0"/>
-              <a:t>2023/6/7</a:t>
+              <a:t>2023/6/11</a:t>
             </a:fld>
             <a:endParaRPr lang="zh-CN" altLang="en-US"/>
           </a:p>
@@ -1677,7 +1677,7 @@
           <a:p>
             <a:fld id="{1A489FFD-D3D7-4CB0-B797-B33445A8935C}" type="datetimeFigureOut">
               <a:rPr lang="zh-CN" altLang="en-US" smtClean="0"/>
-              <a:t>2023/6/7</a:t>
+              <a:t>2023/6/11</a:t>
             </a:fld>
             <a:endParaRPr lang="zh-CN" altLang="en-US"/>
           </a:p>
@@ -2044,7 +2044,7 @@
           <a:p>
             <a:fld id="{1A489FFD-D3D7-4CB0-B797-B33445A8935C}" type="datetimeFigureOut">
               <a:rPr lang="zh-CN" altLang="en-US" smtClean="0"/>
-              <a:t>2023/6/7</a:t>
+              <a:t>2023/6/11</a:t>
             </a:fld>
             <a:endParaRPr lang="zh-CN" altLang="en-US"/>
           </a:p>
@@ -2162,7 +2162,7 @@
           <a:p>
             <a:fld id="{1A489FFD-D3D7-4CB0-B797-B33445A8935C}" type="datetimeFigureOut">
               <a:rPr lang="zh-CN" altLang="en-US" smtClean="0"/>
-              <a:t>2023/6/7</a:t>
+              <a:t>2023/6/11</a:t>
             </a:fld>
             <a:endParaRPr lang="zh-CN" altLang="en-US"/>
           </a:p>
@@ -2257,7 +2257,7 @@
           <a:p>
             <a:fld id="{1A489FFD-D3D7-4CB0-B797-B33445A8935C}" type="datetimeFigureOut">
               <a:rPr lang="zh-CN" altLang="en-US" smtClean="0"/>
-              <a:t>2023/6/7</a:t>
+              <a:t>2023/6/11</a:t>
             </a:fld>
             <a:endParaRPr lang="zh-CN" altLang="en-US"/>
           </a:p>
@@ -2534,7 +2534,7 @@
           <a:p>
             <a:fld id="{1A489FFD-D3D7-4CB0-B797-B33445A8935C}" type="datetimeFigureOut">
               <a:rPr lang="zh-CN" altLang="en-US" smtClean="0"/>
-              <a:t>2023/6/7</a:t>
+              <a:t>2023/6/11</a:t>
             </a:fld>
             <a:endParaRPr lang="zh-CN" altLang="en-US"/>
           </a:p>
@@ -2791,7 +2791,7 @@
           <a:p>
             <a:fld id="{1A489FFD-D3D7-4CB0-B797-B33445A8935C}" type="datetimeFigureOut">
               <a:rPr lang="zh-CN" altLang="en-US" smtClean="0"/>
-              <a:t>2023/6/7</a:t>
+              <a:t>2023/6/11</a:t>
             </a:fld>
             <a:endParaRPr lang="zh-CN" altLang="en-US"/>
           </a:p>
@@ -3004,7 +3004,7 @@
           <a:p>
             <a:fld id="{1A489FFD-D3D7-4CB0-B797-B33445A8935C}" type="datetimeFigureOut">
               <a:rPr lang="zh-CN" altLang="en-US" smtClean="0"/>
-              <a:t>2023/6/7</a:t>
+              <a:t>2023/6/11</a:t>
             </a:fld>
             <a:endParaRPr lang="zh-CN" altLang="en-US"/>
           </a:p>
@@ -4246,8 +4246,8 @@
           </a:fontRef>
         </p:style>
       </p:cxnSp>
-      <mc:AlternateContent xmlns:mc="http://schemas.openxmlformats.org/markup-compatibility/2006">
-        <mc:Choice xmlns:a14="http://schemas.microsoft.com/office/drawing/2010/main" Requires="a14">
+      <mc:AlternateContent xmlns:mc="http://schemas.openxmlformats.org/markup-compatibility/2006" xmlns:a14="http://schemas.microsoft.com/office/drawing/2010/main">
+        <mc:Choice Requires="a14">
           <p:sp>
             <p:nvSpPr>
               <p:cNvPr id="28" name="矩形 27">
@@ -4310,7 +4310,7 @@
             </p:txBody>
           </p:sp>
         </mc:Choice>
-        <mc:Fallback>
+        <mc:Fallback xmlns="">
           <p:sp>
             <p:nvSpPr>
               <p:cNvPr id="28" name="矩形 27">
@@ -4799,8 +4799,8 @@
           </a:p>
         </p:txBody>
       </p:sp>
-      <mc:AlternateContent xmlns:mc="http://schemas.openxmlformats.org/markup-compatibility/2006">
-        <mc:Choice xmlns:a14="http://schemas.microsoft.com/office/drawing/2010/main" Requires="a14">
+      <mc:AlternateContent xmlns:mc="http://schemas.openxmlformats.org/markup-compatibility/2006" xmlns:a14="http://schemas.microsoft.com/office/drawing/2010/main">
+        <mc:Choice Requires="a14">
           <p:sp>
             <p:nvSpPr>
               <p:cNvPr id="94" name="文本框 93">
@@ -4942,7 +4942,7 @@
             </p:txBody>
           </p:sp>
         </mc:Choice>
-        <mc:Fallback>
+        <mc:Fallback xmlns="">
           <p:sp>
             <p:nvSpPr>
               <p:cNvPr id="94" name="文本框 93">
@@ -5059,8 +5059,8 @@
           </a:p>
         </p:txBody>
       </p:sp>
-      <mc:AlternateContent xmlns:mc="http://schemas.openxmlformats.org/markup-compatibility/2006">
-        <mc:Choice xmlns:a14="http://schemas.microsoft.com/office/drawing/2010/main" Requires="a14">
+      <mc:AlternateContent xmlns:mc="http://schemas.openxmlformats.org/markup-compatibility/2006" xmlns:a14="http://schemas.microsoft.com/office/drawing/2010/main">
+        <mc:Choice Requires="a14">
           <p:sp>
             <p:nvSpPr>
               <p:cNvPr id="111" name="箭头: 右 110">
@@ -5148,7 +5148,7 @@
             </p:txBody>
           </p:sp>
         </mc:Choice>
-        <mc:Fallback>
+        <mc:Fallback xmlns="">
           <p:sp>
             <p:nvSpPr>
               <p:cNvPr id="111" name="箭头: 右 110">
@@ -5930,20 +5930,6 @@
             <a:pPr algn="ctr"/>
             <a:r>
               <a:rPr lang="en-US" altLang="zh-CN" sz="2800" b="1" dirty="0"/>
-              <a:t>“Cut” </a:t>
-            </a:r>
-          </a:p>
-          <a:p>
-            <a:pPr algn="ctr"/>
-            <a:r>
-              <a:rPr lang="en-US" altLang="zh-CN" sz="2800" b="1" dirty="0"/>
-              <a:t>and </a:t>
-            </a:r>
-          </a:p>
-          <a:p>
-            <a:pPr algn="ctr"/>
-            <a:r>
-              <a:rPr lang="en-US" altLang="zh-CN" sz="2800" b="1" dirty="0"/>
               <a:t>Shift</a:t>
             </a:r>
             <a:endParaRPr lang="zh-CN" altLang="en-US" sz="2800" b="1" dirty="0"/>
@@ -6801,8 +6787,8 @@
           </a:p>
         </p:txBody>
       </p:sp>
-      <mc:AlternateContent xmlns:mc="http://schemas.openxmlformats.org/markup-compatibility/2006">
-        <mc:Choice xmlns:a14="http://schemas.microsoft.com/office/drawing/2010/main" Requires="a14">
+      <mc:AlternateContent xmlns:mc="http://schemas.openxmlformats.org/markup-compatibility/2006" xmlns:a14="http://schemas.microsoft.com/office/drawing/2010/main">
+        <mc:Choice Requires="a14">
           <p:sp>
             <p:nvSpPr>
               <p:cNvPr id="47" name="箭头: 右 46">
@@ -6890,7 +6876,7 @@
             </p:txBody>
           </p:sp>
         </mc:Choice>
-        <mc:Fallback>
+        <mc:Fallback xmlns="">
           <p:sp>
             <p:nvSpPr>
               <p:cNvPr id="47" name="箭头: 右 46">
@@ -7427,8 +7413,8 @@
           </a:fontRef>
         </p:style>
       </p:cxnSp>
-      <mc:AlternateContent xmlns:mc="http://schemas.openxmlformats.org/markup-compatibility/2006">
-        <mc:Choice xmlns:a14="http://schemas.microsoft.com/office/drawing/2010/main" Requires="a14">
+      <mc:AlternateContent xmlns:mc="http://schemas.openxmlformats.org/markup-compatibility/2006" xmlns:a14="http://schemas.microsoft.com/office/drawing/2010/main">
+        <mc:Choice Requires="a14">
           <p:sp>
             <p:nvSpPr>
               <p:cNvPr id="104" name="文本框 103">
@@ -7502,14 +7488,7 @@
                               <a:latin typeface="Cambria Math" panose="02040503050406030204" pitchFamily="18" charset="0"/>
                               <a:ea typeface="Cambria Math" panose="02040503050406030204" pitchFamily="18" charset="0"/>
                             </a:rPr>
-                            <m:t>−</m:t>
-                          </m:r>
-                          <m:r>
-                            <a:rPr lang="en-US" altLang="zh-CN" sz="3600" b="1" i="1" smtClean="0">
-                              <a:latin typeface="Cambria Math" panose="02040503050406030204" pitchFamily="18" charset="0"/>
-                              <a:ea typeface="Cambria Math" panose="02040503050406030204" pitchFamily="18" charset="0"/>
-                            </a:rPr>
-                            <m:t> </m:t>
+                            <m:t>− </m:t>
                           </m:r>
                           <m:f>
                             <m:fPr>
@@ -7566,7 +7545,7 @@
             </p:txBody>
           </p:sp>
         </mc:Choice>
-        <mc:Fallback>
+        <mc:Fallback xmlns="">
           <p:sp>
             <p:nvSpPr>
               <p:cNvPr id="104" name="文本框 103">
@@ -7676,6 +7655,42 @@
                 <a:schemeClr val="bg1"/>
               </a:solidFill>
             </a:endParaRPr>
+          </a:p>
+        </p:txBody>
+      </p:sp>
+      <p:sp>
+        <p:nvSpPr>
+          <p:cNvPr id="13" name="文本框 12">
+            <a:extLst>
+              <a:ext uri="{FF2B5EF4-FFF2-40B4-BE49-F238E27FC236}">
+                <a16:creationId xmlns:a16="http://schemas.microsoft.com/office/drawing/2014/main" id="{E40701B9-A3A3-57A2-C108-400916CE2E4D}"/>
+              </a:ext>
+            </a:extLst>
+          </p:cNvPr>
+          <p:cNvSpPr txBox="1"/>
+          <p:nvPr/>
+        </p:nvSpPr>
+        <p:spPr>
+          <a:xfrm>
+            <a:off x="878671" y="10694662"/>
+            <a:ext cx="1921009" cy="646331"/>
+          </a:xfrm>
+          <a:prstGeom prst="rect">
+            <a:avLst/>
+          </a:prstGeom>
+          <a:noFill/>
+        </p:spPr>
+        <p:txBody>
+          <a:bodyPr wrap="square" rtlCol="0">
+            <a:spAutoFit/>
+          </a:bodyPr>
+          <a:lstStyle/>
+          <a:p>
+            <a:r>
+              <a:rPr lang="en-US" altLang="zh-CN" sz="3600" b="1" dirty="0"/>
+              <a:t>F[S(n)]</a:t>
+            </a:r>
+            <a:endParaRPr lang="zh-CN" altLang="en-US" sz="3600" b="1" dirty="0"/>
           </a:p>
         </p:txBody>
       </p:sp>
